--- a/MayhemPunch_Presentation.pptx
+++ b/MayhemPunch_Presentation.pptx
@@ -119,7 +119,7 @@
 <file path=ppt/charts/chart1.xml><?xml version="1.0" encoding="utf-8"?>
 <c:chartSpace xmlns:c="http://schemas.openxmlformats.org/drawingml/2006/chart" xmlns:a="http://schemas.openxmlformats.org/drawingml/2006/main" xmlns:r="http://schemas.openxmlformats.org/officeDocument/2006/relationships">
   <c:date1904 val="0"/>
-  <c:lang val="en-US"/>
+  <c:lang val="fi-FI"/>
   <c:roundedCorners val="0"/>
   <mc:AlternateContent xmlns:mc="http://schemas.openxmlformats.org/markup-compatibility/2006">
     <mc:Choice xmlns:c14="http://schemas.microsoft.com/office/drawing/2007/8/2/chart" Requires="c14">
@@ -708,7 +708,7 @@
 <file path=ppt/charts/chart2.xml><?xml version="1.0" encoding="utf-8"?>
 <c:chartSpace xmlns:c="http://schemas.openxmlformats.org/drawingml/2006/chart" xmlns:a="http://schemas.openxmlformats.org/drawingml/2006/main" xmlns:r="http://schemas.openxmlformats.org/officeDocument/2006/relationships">
   <c:date1904 val="0"/>
-  <c:lang val="en-US"/>
+  <c:lang val="fi-FI"/>
   <c:roundedCorners val="0"/>
   <mc:AlternateContent xmlns:mc="http://schemas.openxmlformats.org/markup-compatibility/2006">
     <mc:Choice xmlns:c14="http://schemas.microsoft.com/office/drawing/2007/8/2/chart" Requires="c14">
@@ -5057,6 +5057,13 @@
         </dgm:presLayoutVars>
       </dgm:prSet>
       <dgm:spPr/>
+      <dgm:t>
+        <a:bodyPr/>
+        <a:lstStyle/>
+        <a:p>
+          <a:endParaRPr lang="fi-FI"/>
+        </a:p>
+      </dgm:t>
     </dgm:pt>
     <dgm:pt modelId="{D9F2501E-52B9-4CBB-9237-6DCA6F0EA0A5}" type="pres">
       <dgm:prSet presAssocID="{94798E6C-DFAA-4398-81A2-7B43C7DC465F}" presName="composite" presStyleCnt="0"/>
@@ -5161,44 +5168,51 @@
         </dgm:presLayoutVars>
       </dgm:prSet>
       <dgm:spPr/>
+      <dgm:t>
+        <a:bodyPr/>
+        <a:lstStyle/>
+        <a:p>
+          <a:endParaRPr lang="fi-FI"/>
+        </a:p>
+      </dgm:t>
     </dgm:pt>
   </dgm:ptLst>
   <dgm:cxnLst>
-    <dgm:cxn modelId="{F9054A0E-C217-4AD0-9C4E-C24ADBF5F9C6}" type="presOf" srcId="{C402A552-0080-49E8-A63D-1EB7510342B4}" destId="{EF38F8AE-350D-4781-ABB9-EA1E31C0DCD9}" srcOrd="0" destOrd="1" presId="urn:microsoft.com/office/officeart/2009/3/layout/StepUpProcess"/>
-    <dgm:cxn modelId="{BA738C3B-798E-40DC-9F0F-A77E85CA3E2E}" type="presOf" srcId="{B2928E27-B50B-4662-A1CC-5609E34068D8}" destId="{FDEB3E2C-E4F1-4735-BBC5-55172CA39930}" srcOrd="0" destOrd="5" presId="urn:microsoft.com/office/officeart/2009/3/layout/StepUpProcess"/>
+    <dgm:cxn modelId="{98DFDCED-B536-4995-8BE7-476B2317A39F}" srcId="{94798E6C-DFAA-4398-81A2-7B43C7DC465F}" destId="{D84A9DCA-903D-4ABF-8065-4E34E2CABAEE}" srcOrd="3" destOrd="0" parTransId="{CEF27DF2-FF59-48F0-AA33-04E964ADBB98}" sibTransId="{DA913CC8-B5FA-4797-87A0-0CC8D375C1F7}"/>
+    <dgm:cxn modelId="{F8E84AF3-5E80-4092-927D-E98977ACEB99}" srcId="{94798E6C-DFAA-4398-81A2-7B43C7DC465F}" destId="{F97C4D81-852E-4A9A-90DA-6B38F7F980BA}" srcOrd="0" destOrd="0" parTransId="{3CD6A0BB-2AC9-4D45-9C9B-6C7027B5A542}" sibTransId="{6B818221-3513-4BE0-B3D6-7F1959608847}"/>
+    <dgm:cxn modelId="{4BEB52DF-1110-40CF-A59C-EFE6648F8228}" srcId="{6E079326-6647-4A43-851F-66536C8F5D84}" destId="{B2928E27-B50B-4662-A1CC-5609E34068D8}" srcOrd="4" destOrd="0" parTransId="{3FA84EA6-086C-414D-8B97-96C61A991843}" sibTransId="{44323A4E-47F1-4E77-85FB-C346DB9E88E1}"/>
+    <dgm:cxn modelId="{985473CA-6806-48D9-AC60-B5FA037499E8}" type="presOf" srcId="{D84A9DCA-903D-4ABF-8065-4E34E2CABAEE}" destId="{A37DE4EB-CEA6-4439-9CC8-71FADF0930FD}" srcOrd="0" destOrd="4" presId="urn:microsoft.com/office/officeart/2009/3/layout/StepUpProcess"/>
+    <dgm:cxn modelId="{8EBB7582-BB9F-4821-A47B-A792141B7D6D}" type="presOf" srcId="{6E079326-6647-4A43-851F-66536C8F5D84}" destId="{FDEB3E2C-E4F1-4735-BBC5-55172CA39930}" srcOrd="0" destOrd="0" presId="urn:microsoft.com/office/officeart/2009/3/layout/StepUpProcess"/>
+    <dgm:cxn modelId="{BEAA96E5-B19C-4255-A319-74708E1F6BAB}" srcId="{94798E6C-DFAA-4398-81A2-7B43C7DC465F}" destId="{DDB9CDD4-306A-48B4-9D82-E4761A67D9E4}" srcOrd="1" destOrd="0" parTransId="{CE19C4C7-62DD-4F75-A44B-2565F078DAC0}" sibTransId="{EBEDB10D-0E7C-436A-9F1E-BA38F2EB9E18}"/>
+    <dgm:cxn modelId="{94AA897F-EF6F-46B8-9351-B8C65CE2991E}" srcId="{44674D2F-9872-4343-9965-89BFA10C2289}" destId="{241B5488-46DA-45FC-8234-4AE02DA45135}" srcOrd="1" destOrd="0" parTransId="{C74E1FAF-1144-4450-8809-6D45EE3B7F2C}" sibTransId="{2A2876E9-B8EA-48F6-A1DC-2F9263EE4DB5}"/>
+    <dgm:cxn modelId="{71DC09D6-6C87-4E04-8E3C-DDA4EB5DB600}" srcId="{44674D2F-9872-4343-9965-89BFA10C2289}" destId="{C241769F-6994-46B5-8DF5-FFDE706A2436}" srcOrd="4" destOrd="0" parTransId="{D3AD78B2-6912-470D-8325-A9D96D232C84}" sibTransId="{593D9176-BD3C-4423-A30B-8B793FBD51D6}"/>
+    <dgm:cxn modelId="{134DDBA0-837D-45C1-A28A-25CE133583B0}" type="presOf" srcId="{30878C14-2648-4EBF-AF66-5DC619DF3C11}" destId="{8BD3D9B8-904F-4214-AFFA-281B12E2D5B2}" srcOrd="0" destOrd="0" presId="urn:microsoft.com/office/officeart/2009/3/layout/StepUpProcess"/>
+    <dgm:cxn modelId="{D201E717-BDF6-4A21-B224-3B8CA727FEA1}" srcId="{6E079326-6647-4A43-851F-66536C8F5D84}" destId="{50E42318-1C74-4EEA-B6E1-E9E27D2C6084}" srcOrd="0" destOrd="0" parTransId="{CF34927F-2B33-4BE3-9063-9E06F1BE5D52}" sibTransId="{2CEC8BD4-49B8-457A-910D-9978D601F5BD}"/>
+    <dgm:cxn modelId="{DBDC12C3-09BC-431E-9856-DD11EF7FA194}" srcId="{44674D2F-9872-4343-9965-89BFA10C2289}" destId="{1BD00AFD-EB47-4B8B-8536-78B1EF23B8A7}" srcOrd="2" destOrd="0" parTransId="{76499758-A843-4AED-A602-C42D4FB29BE0}" sibTransId="{9617542B-5305-4295-9B18-6D3B7ADB5188}"/>
+    <dgm:cxn modelId="{A1281E92-EEF8-4880-B9A1-968008FF17AC}" type="presOf" srcId="{94798E6C-DFAA-4398-81A2-7B43C7DC465F}" destId="{A37DE4EB-CEA6-4439-9CC8-71FADF0930FD}" srcOrd="0" destOrd="0" presId="urn:microsoft.com/office/officeart/2009/3/layout/StepUpProcess"/>
     <dgm:cxn modelId="{C0C01D00-1206-4A9C-A985-858054651AEB}" srcId="{94798E6C-DFAA-4398-81A2-7B43C7DC465F}" destId="{DDC80F7D-9837-4AA9-9469-0C1D31940C7C}" srcOrd="2" destOrd="0" parTransId="{982B44F4-4AFD-4ECF-B9D4-53946D10BAC8}" sibTransId="{FAAE103C-F4FB-435F-AC6C-4439DF24E370}"/>
-    <dgm:cxn modelId="{985473CA-6806-48D9-AC60-B5FA037499E8}" type="presOf" srcId="{D84A9DCA-903D-4ABF-8065-4E34E2CABAEE}" destId="{A37DE4EB-CEA6-4439-9CC8-71FADF0930FD}" srcOrd="0" destOrd="4" presId="urn:microsoft.com/office/officeart/2009/3/layout/StepUpProcess"/>
+    <dgm:cxn modelId="{4586E4BD-4862-4DC6-B22C-A7717FDF7B93}" srcId="{30878C14-2648-4EBF-AF66-5DC619DF3C11}" destId="{94798E6C-DFAA-4398-81A2-7B43C7DC465F}" srcOrd="0" destOrd="0" parTransId="{8CB605E9-99B7-4912-9FDA-9CF375E78C41}" sibTransId="{341C6B25-62E1-4409-B770-8F3EAFA436CA}"/>
+    <dgm:cxn modelId="{441F222C-5309-44C1-B980-1FCA67E517AC}" srcId="{44674D2F-9872-4343-9965-89BFA10C2289}" destId="{C402A552-0080-49E8-A63D-1EB7510342B4}" srcOrd="0" destOrd="0" parTransId="{869B8779-EFC2-4FAD-BF51-829C6107158D}" sibTransId="{84E37EBA-73AE-4264-A045-CE742B8B8236}"/>
+    <dgm:cxn modelId="{B9AA891B-211F-4A6A-B8C8-3A75B457EB9C}" type="presOf" srcId="{1A6D7782-E7C9-4ECE-8DE9-037CF10722AB}" destId="{FDEB3E2C-E4F1-4735-BBC5-55172CA39930}" srcOrd="0" destOrd="2" presId="urn:microsoft.com/office/officeart/2009/3/layout/StepUpProcess"/>
+    <dgm:cxn modelId="{61F004E6-FBC5-45BA-AC74-8487F5E015EB}" type="presOf" srcId="{F97C4D81-852E-4A9A-90DA-6B38F7F980BA}" destId="{A37DE4EB-CEA6-4439-9CC8-71FADF0930FD}" srcOrd="0" destOrd="1" presId="urn:microsoft.com/office/officeart/2009/3/layout/StepUpProcess"/>
     <dgm:cxn modelId="{F89C0A09-6A8A-4E27-987E-9349CF31D4DE}" srcId="{6E079326-6647-4A43-851F-66536C8F5D84}" destId="{1A6D7782-E7C9-4ECE-8DE9-037CF10722AB}" srcOrd="1" destOrd="0" parTransId="{09B68154-20C5-4DC6-953D-192DD1BDCAAC}" sibTransId="{DFE578D3-F447-4AC4-ACED-D393FD84753C}"/>
-    <dgm:cxn modelId="{F8E84AF3-5E80-4092-927D-E98977ACEB99}" srcId="{94798E6C-DFAA-4398-81A2-7B43C7DC465F}" destId="{F97C4D81-852E-4A9A-90DA-6B38F7F980BA}" srcOrd="0" destOrd="0" parTransId="{3CD6A0BB-2AC9-4D45-9C9B-6C7027B5A542}" sibTransId="{6B818221-3513-4BE0-B3D6-7F1959608847}"/>
-    <dgm:cxn modelId="{AC296E71-C158-4658-8C6F-9AFBF5D002B1}" type="presOf" srcId="{86397A04-9494-465E-9D6F-43028C4698EC}" destId="{EF38F8AE-350D-4781-ABB9-EA1E31C0DCD9}" srcOrd="0" destOrd="4" presId="urn:microsoft.com/office/officeart/2009/3/layout/StepUpProcess"/>
+    <dgm:cxn modelId="{9F5B7E28-E2BE-4334-A042-AF6EDDB5872B}" type="presOf" srcId="{48BA036A-3787-4DCD-8AF7-9CF0AB3976A8}" destId="{FDEB3E2C-E4F1-4735-BBC5-55172CA39930}" srcOrd="0" destOrd="4" presId="urn:microsoft.com/office/officeart/2009/3/layout/StepUpProcess"/>
+    <dgm:cxn modelId="{6BE16411-046E-4A6C-A4F2-551FE4FFA056}" srcId="{44674D2F-9872-4343-9965-89BFA10C2289}" destId="{86397A04-9494-465E-9D6F-43028C4698EC}" srcOrd="3" destOrd="0" parTransId="{0AB8A754-6B37-4256-B463-3FE59AF12BE6}" sibTransId="{21530E41-A4D8-436B-8DA2-DD23EC195580}"/>
+    <dgm:cxn modelId="{EEAD2FE2-18C0-4F7E-81CB-3593E2B36CD0}" type="presOf" srcId="{C241769F-6994-46B5-8DF5-FFDE706A2436}" destId="{EF38F8AE-350D-4781-ABB9-EA1E31C0DCD9}" srcOrd="0" destOrd="5" presId="urn:microsoft.com/office/officeart/2009/3/layout/StepUpProcess"/>
+    <dgm:cxn modelId="{D4D65FBF-B02E-4DAD-95FA-AEB1A6B6F19D}" srcId="{6E079326-6647-4A43-851F-66536C8F5D84}" destId="{C7A75B9B-0A65-42B8-9348-1A2ED054E74F}" srcOrd="2" destOrd="0" parTransId="{FD421163-F853-4D47-90C5-36F19C7CC12A}" sibTransId="{3A440614-F8F0-48DE-A035-FF8A74E56421}"/>
     <dgm:cxn modelId="{E1B5010A-18A6-4205-A985-928D98690C22}" type="presOf" srcId="{44674D2F-9872-4343-9965-89BFA10C2289}" destId="{EF38F8AE-350D-4781-ABB9-EA1E31C0DCD9}" srcOrd="0" destOrd="0" presId="urn:microsoft.com/office/officeart/2009/3/layout/StepUpProcess"/>
-    <dgm:cxn modelId="{4586E4BD-4862-4DC6-B22C-A7717FDF7B93}" srcId="{30878C14-2648-4EBF-AF66-5DC619DF3C11}" destId="{94798E6C-DFAA-4398-81A2-7B43C7DC465F}" srcOrd="0" destOrd="0" parTransId="{8CB605E9-99B7-4912-9FDA-9CF375E78C41}" sibTransId="{341C6B25-62E1-4409-B770-8F3EAFA436CA}"/>
-    <dgm:cxn modelId="{4BEB52DF-1110-40CF-A59C-EFE6648F8228}" srcId="{6E079326-6647-4A43-851F-66536C8F5D84}" destId="{B2928E27-B50B-4662-A1CC-5609E34068D8}" srcOrd="4" destOrd="0" parTransId="{3FA84EA6-086C-414D-8B97-96C61A991843}" sibTransId="{44323A4E-47F1-4E77-85FB-C346DB9E88E1}"/>
-    <dgm:cxn modelId="{94AA897F-EF6F-46B8-9351-B8C65CE2991E}" srcId="{44674D2F-9872-4343-9965-89BFA10C2289}" destId="{241B5488-46DA-45FC-8234-4AE02DA45135}" srcOrd="1" destOrd="0" parTransId="{C74E1FAF-1144-4450-8809-6D45EE3B7F2C}" sibTransId="{2A2876E9-B8EA-48F6-A1DC-2F9263EE4DB5}"/>
-    <dgm:cxn modelId="{134DDBA0-837D-45C1-A28A-25CE133583B0}" type="presOf" srcId="{30878C14-2648-4EBF-AF66-5DC619DF3C11}" destId="{8BD3D9B8-904F-4214-AFFA-281B12E2D5B2}" srcOrd="0" destOrd="0" presId="urn:microsoft.com/office/officeart/2009/3/layout/StepUpProcess"/>
+    <dgm:cxn modelId="{5D259EA1-9B90-4956-B153-61849D10FF52}" srcId="{6E079326-6647-4A43-851F-66536C8F5D84}" destId="{48BA036A-3787-4DCD-8AF7-9CF0AB3976A8}" srcOrd="3" destOrd="0" parTransId="{2A25951D-53CE-410E-B6D2-C99868FFA67A}" sibTransId="{BDA49B21-2504-48CE-A678-E0A07257C3E3}"/>
     <dgm:cxn modelId="{A051A736-C6A0-4BD8-8F61-FAACD4972745}" type="presOf" srcId="{DDC80F7D-9837-4AA9-9469-0C1D31940C7C}" destId="{A37DE4EB-CEA6-4439-9CC8-71FADF0930FD}" srcOrd="0" destOrd="3" presId="urn:microsoft.com/office/officeart/2009/3/layout/StepUpProcess"/>
     <dgm:cxn modelId="{9B02FAE1-398F-44FC-9797-EF52C4A0EDB0}" type="presOf" srcId="{C7A75B9B-0A65-42B8-9348-1A2ED054E74F}" destId="{FDEB3E2C-E4F1-4735-BBC5-55172CA39930}" srcOrd="0" destOrd="3" presId="urn:microsoft.com/office/officeart/2009/3/layout/StepUpProcess"/>
-    <dgm:cxn modelId="{71DC09D6-6C87-4E04-8E3C-DDA4EB5DB600}" srcId="{44674D2F-9872-4343-9965-89BFA10C2289}" destId="{C241769F-6994-46B5-8DF5-FFDE706A2436}" srcOrd="4" destOrd="0" parTransId="{D3AD78B2-6912-470D-8325-A9D96D232C84}" sibTransId="{593D9176-BD3C-4423-A30B-8B793FBD51D6}"/>
-    <dgm:cxn modelId="{98DFDCED-B536-4995-8BE7-476B2317A39F}" srcId="{94798E6C-DFAA-4398-81A2-7B43C7DC465F}" destId="{D84A9DCA-903D-4ABF-8065-4E34E2CABAEE}" srcOrd="3" destOrd="0" parTransId="{CEF27DF2-FF59-48F0-AA33-04E964ADBB98}" sibTransId="{DA913CC8-B5FA-4797-87A0-0CC8D375C1F7}"/>
-    <dgm:cxn modelId="{441F222C-5309-44C1-B980-1FCA67E517AC}" srcId="{44674D2F-9872-4343-9965-89BFA10C2289}" destId="{C402A552-0080-49E8-A63D-1EB7510342B4}" srcOrd="0" destOrd="0" parTransId="{869B8779-EFC2-4FAD-BF51-829C6107158D}" sibTransId="{84E37EBA-73AE-4264-A045-CE742B8B8236}"/>
-    <dgm:cxn modelId="{D201E717-BDF6-4A21-B224-3B8CA727FEA1}" srcId="{6E079326-6647-4A43-851F-66536C8F5D84}" destId="{50E42318-1C74-4EEA-B6E1-E9E27D2C6084}" srcOrd="0" destOrd="0" parTransId="{CF34927F-2B33-4BE3-9063-9E06F1BE5D52}" sibTransId="{2CEC8BD4-49B8-457A-910D-9978D601F5BD}"/>
+    <dgm:cxn modelId="{F9054A0E-C217-4AD0-9C4E-C24ADBF5F9C6}" type="presOf" srcId="{C402A552-0080-49E8-A63D-1EB7510342B4}" destId="{EF38F8AE-350D-4781-ABB9-EA1E31C0DCD9}" srcOrd="0" destOrd="1" presId="urn:microsoft.com/office/officeart/2009/3/layout/StepUpProcess"/>
+    <dgm:cxn modelId="{272080CE-6932-4BE9-9D58-3926F009F007}" type="presOf" srcId="{1BD00AFD-EB47-4B8B-8536-78B1EF23B8A7}" destId="{EF38F8AE-350D-4781-ABB9-EA1E31C0DCD9}" srcOrd="0" destOrd="3" presId="urn:microsoft.com/office/officeart/2009/3/layout/StepUpProcess"/>
+    <dgm:cxn modelId="{AC296E71-C158-4658-8C6F-9AFBF5D002B1}" type="presOf" srcId="{86397A04-9494-465E-9D6F-43028C4698EC}" destId="{EF38F8AE-350D-4781-ABB9-EA1E31C0DCD9}" srcOrd="0" destOrd="4" presId="urn:microsoft.com/office/officeart/2009/3/layout/StepUpProcess"/>
+    <dgm:cxn modelId="{F437300A-53F6-41D5-A319-F0A53E3638BD}" srcId="{30878C14-2648-4EBF-AF66-5DC619DF3C11}" destId="{6E079326-6647-4A43-851F-66536C8F5D84}" srcOrd="2" destOrd="0" parTransId="{8C8D24DA-89DA-4BCE-8C4C-B17339B68FD7}" sibTransId="{9197A127-6C9B-45FE-A79A-6119772D94DB}"/>
+    <dgm:cxn modelId="{F209A9E4-2A12-42CA-BB5D-74ADF36AF160}" type="presOf" srcId="{241B5488-46DA-45FC-8234-4AE02DA45135}" destId="{EF38F8AE-350D-4781-ABB9-EA1E31C0DCD9}" srcOrd="0" destOrd="2" presId="urn:microsoft.com/office/officeart/2009/3/layout/StepUpProcess"/>
     <dgm:cxn modelId="{3E8633FD-95AC-4917-BE13-65D774410100}" type="presOf" srcId="{DDB9CDD4-306A-48B4-9D82-E4761A67D9E4}" destId="{A37DE4EB-CEA6-4439-9CC8-71FADF0930FD}" srcOrd="0" destOrd="2" presId="urn:microsoft.com/office/officeart/2009/3/layout/StepUpProcess"/>
-    <dgm:cxn modelId="{6BE16411-046E-4A6C-A4F2-551FE4FFA056}" srcId="{44674D2F-9872-4343-9965-89BFA10C2289}" destId="{86397A04-9494-465E-9D6F-43028C4698EC}" srcOrd="3" destOrd="0" parTransId="{0AB8A754-6B37-4256-B463-3FE59AF12BE6}" sibTransId="{21530E41-A4D8-436B-8DA2-DD23EC195580}"/>
-    <dgm:cxn modelId="{A1281E92-EEF8-4880-B9A1-968008FF17AC}" type="presOf" srcId="{94798E6C-DFAA-4398-81A2-7B43C7DC465F}" destId="{A37DE4EB-CEA6-4439-9CC8-71FADF0930FD}" srcOrd="0" destOrd="0" presId="urn:microsoft.com/office/officeart/2009/3/layout/StepUpProcess"/>
-    <dgm:cxn modelId="{8EBB7582-BB9F-4821-A47B-A792141B7D6D}" type="presOf" srcId="{6E079326-6647-4A43-851F-66536C8F5D84}" destId="{FDEB3E2C-E4F1-4735-BBC5-55172CA39930}" srcOrd="0" destOrd="0" presId="urn:microsoft.com/office/officeart/2009/3/layout/StepUpProcess"/>
-    <dgm:cxn modelId="{EEAD2FE2-18C0-4F7E-81CB-3593E2B36CD0}" type="presOf" srcId="{C241769F-6994-46B5-8DF5-FFDE706A2436}" destId="{EF38F8AE-350D-4781-ABB9-EA1E31C0DCD9}" srcOrd="0" destOrd="5" presId="urn:microsoft.com/office/officeart/2009/3/layout/StepUpProcess"/>
-    <dgm:cxn modelId="{BEAA96E5-B19C-4255-A319-74708E1F6BAB}" srcId="{94798E6C-DFAA-4398-81A2-7B43C7DC465F}" destId="{DDB9CDD4-306A-48B4-9D82-E4761A67D9E4}" srcOrd="1" destOrd="0" parTransId="{CE19C4C7-62DD-4F75-A44B-2565F078DAC0}" sibTransId="{EBEDB10D-0E7C-436A-9F1E-BA38F2EB9E18}"/>
+    <dgm:cxn modelId="{055A4D99-CC3E-4207-87E0-23CDD0CB7813}" type="presOf" srcId="{50E42318-1C74-4EEA-B6E1-E9E27D2C6084}" destId="{FDEB3E2C-E4F1-4735-BBC5-55172CA39930}" srcOrd="0" destOrd="1" presId="urn:microsoft.com/office/officeart/2009/3/layout/StepUpProcess"/>
     <dgm:cxn modelId="{3412341F-F7C3-4F11-A853-159093312C80}" srcId="{30878C14-2648-4EBF-AF66-5DC619DF3C11}" destId="{44674D2F-9872-4343-9965-89BFA10C2289}" srcOrd="1" destOrd="0" parTransId="{75710C46-9355-449F-87C6-2EDC234A01AF}" sibTransId="{BED2F785-EA9C-495C-A5E1-4DCC80A40FD4}"/>
-    <dgm:cxn modelId="{9F5B7E28-E2BE-4334-A042-AF6EDDB5872B}" type="presOf" srcId="{48BA036A-3787-4DCD-8AF7-9CF0AB3976A8}" destId="{FDEB3E2C-E4F1-4735-BBC5-55172CA39930}" srcOrd="0" destOrd="4" presId="urn:microsoft.com/office/officeart/2009/3/layout/StepUpProcess"/>
-    <dgm:cxn modelId="{61F004E6-FBC5-45BA-AC74-8487F5E015EB}" type="presOf" srcId="{F97C4D81-852E-4A9A-90DA-6B38F7F980BA}" destId="{A37DE4EB-CEA6-4439-9CC8-71FADF0930FD}" srcOrd="0" destOrd="1" presId="urn:microsoft.com/office/officeart/2009/3/layout/StepUpProcess"/>
-    <dgm:cxn modelId="{272080CE-6932-4BE9-9D58-3926F009F007}" type="presOf" srcId="{1BD00AFD-EB47-4B8B-8536-78B1EF23B8A7}" destId="{EF38F8AE-350D-4781-ABB9-EA1E31C0DCD9}" srcOrd="0" destOrd="3" presId="urn:microsoft.com/office/officeart/2009/3/layout/StepUpProcess"/>
-    <dgm:cxn modelId="{5D259EA1-9B90-4956-B153-61849D10FF52}" srcId="{6E079326-6647-4A43-851F-66536C8F5D84}" destId="{48BA036A-3787-4DCD-8AF7-9CF0AB3976A8}" srcOrd="3" destOrd="0" parTransId="{2A25951D-53CE-410E-B6D2-C99868FFA67A}" sibTransId="{BDA49B21-2504-48CE-A678-E0A07257C3E3}"/>
-    <dgm:cxn modelId="{F209A9E4-2A12-42CA-BB5D-74ADF36AF160}" type="presOf" srcId="{241B5488-46DA-45FC-8234-4AE02DA45135}" destId="{EF38F8AE-350D-4781-ABB9-EA1E31C0DCD9}" srcOrd="0" destOrd="2" presId="urn:microsoft.com/office/officeart/2009/3/layout/StepUpProcess"/>
-    <dgm:cxn modelId="{055A4D99-CC3E-4207-87E0-23CDD0CB7813}" type="presOf" srcId="{50E42318-1C74-4EEA-B6E1-E9E27D2C6084}" destId="{FDEB3E2C-E4F1-4735-BBC5-55172CA39930}" srcOrd="0" destOrd="1" presId="urn:microsoft.com/office/officeart/2009/3/layout/StepUpProcess"/>
-    <dgm:cxn modelId="{B9AA891B-211F-4A6A-B8C8-3A75B457EB9C}" type="presOf" srcId="{1A6D7782-E7C9-4ECE-8DE9-037CF10722AB}" destId="{FDEB3E2C-E4F1-4735-BBC5-55172CA39930}" srcOrd="0" destOrd="2" presId="urn:microsoft.com/office/officeart/2009/3/layout/StepUpProcess"/>
-    <dgm:cxn modelId="{D4D65FBF-B02E-4DAD-95FA-AEB1A6B6F19D}" srcId="{6E079326-6647-4A43-851F-66536C8F5D84}" destId="{C7A75B9B-0A65-42B8-9348-1A2ED054E74F}" srcOrd="2" destOrd="0" parTransId="{FD421163-F853-4D47-90C5-36F19C7CC12A}" sibTransId="{3A440614-F8F0-48DE-A035-FF8A74E56421}"/>
-    <dgm:cxn modelId="{DBDC12C3-09BC-431E-9856-DD11EF7FA194}" srcId="{44674D2F-9872-4343-9965-89BFA10C2289}" destId="{1BD00AFD-EB47-4B8B-8536-78B1EF23B8A7}" srcOrd="2" destOrd="0" parTransId="{76499758-A843-4AED-A602-C42D4FB29BE0}" sibTransId="{9617542B-5305-4295-9B18-6D3B7ADB5188}"/>
-    <dgm:cxn modelId="{F437300A-53F6-41D5-A319-F0A53E3638BD}" srcId="{30878C14-2648-4EBF-AF66-5DC619DF3C11}" destId="{6E079326-6647-4A43-851F-66536C8F5D84}" srcOrd="2" destOrd="0" parTransId="{8C8D24DA-89DA-4BCE-8C4C-B17339B68FD7}" sibTransId="{9197A127-6C9B-45FE-A79A-6119772D94DB}"/>
+    <dgm:cxn modelId="{BA738C3B-798E-40DC-9F0F-A77E85CA3E2E}" type="presOf" srcId="{B2928E27-B50B-4662-A1CC-5609E34068D8}" destId="{FDEB3E2C-E4F1-4735-BBC5-55172CA39930}" srcOrd="0" destOrd="5" presId="urn:microsoft.com/office/officeart/2009/3/layout/StepUpProcess"/>
     <dgm:cxn modelId="{3A3D7C62-35C0-4CFB-B747-FAB2BA6879EB}" type="presParOf" srcId="{8BD3D9B8-904F-4214-AFFA-281B12E2D5B2}" destId="{D9F2501E-52B9-4CBB-9237-6DCA6F0EA0A5}" srcOrd="0" destOrd="0" presId="urn:microsoft.com/office/officeart/2009/3/layout/StepUpProcess"/>
     <dgm:cxn modelId="{4BEDC274-CE10-4704-B7CC-54CF5A230E98}" type="presParOf" srcId="{D9F2501E-52B9-4CBB-9237-6DCA6F0EA0A5}" destId="{89FEE03A-BFA3-48F5-807C-A64E74D5377C}" srcOrd="0" destOrd="0" presId="urn:microsoft.com/office/officeart/2009/3/layout/StepUpProcess"/>
     <dgm:cxn modelId="{7C2752AD-B778-4B28-996B-569860CF2D0D}" type="presParOf" srcId="{D9F2501E-52B9-4CBB-9237-6DCA6F0EA0A5}" destId="{A37DE4EB-CEA6-4439-9CC8-71FADF0930FD}" srcOrd="1" destOrd="0" presId="urn:microsoft.com/office/officeart/2009/3/layout/StepUpProcess"/>
@@ -15179,11 +15193,91 @@
             </a:endParaRPr>
           </a:p>
           <a:p>
-            <a:pPr>
+            <a:pPr marL="342900" indent="-342900">
               <a:lnSpc>
                 <a:spcPct val="150000"/>
               </a:lnSpc>
+              <a:buFontTx/>
+              <a:buChar char="-"/>
             </a:pPr>
+            <a:r>
+              <a:rPr lang="fi-FI" sz="2000" dirty="0" smtClean="0">
+                <a:effectLst>
+                  <a:outerShdw blurRad="38100" dist="38100" dir="2700000" algn="tl">
+                    <a:srgbClr val="000000">
+                      <a:alpha val="43137"/>
+                    </a:srgbClr>
+                  </a:outerShdw>
+                </a:effectLst>
+                <a:latin typeface="Tandysoft" panose="02000500000000000000" pitchFamily="2" charset="0"/>
+              </a:rPr>
+              <a:t>Made </a:t>
+            </a:r>
+            <a:r>
+              <a:rPr lang="fi-FI" sz="2000" dirty="0" err="1" smtClean="0">
+                <a:effectLst>
+                  <a:outerShdw blurRad="38100" dist="38100" dir="2700000" algn="tl">
+                    <a:srgbClr val="000000">
+                      <a:alpha val="43137"/>
+                    </a:srgbClr>
+                  </a:outerShdw>
+                </a:effectLst>
+                <a:latin typeface="Tandysoft" panose="02000500000000000000" pitchFamily="2" charset="0"/>
+              </a:rPr>
+              <a:t>entirely</a:t>
+            </a:r>
+            <a:r>
+              <a:rPr lang="fi-FI" sz="2000" dirty="0" smtClean="0">
+                <a:effectLst>
+                  <a:outerShdw blurRad="38100" dist="38100" dir="2700000" algn="tl">
+                    <a:srgbClr val="000000">
+                      <a:alpha val="43137"/>
+                    </a:srgbClr>
+                  </a:outerShdw>
+                </a:effectLst>
+                <a:latin typeface="Tandysoft" panose="02000500000000000000" pitchFamily="2" charset="0"/>
+              </a:rPr>
+              <a:t> </a:t>
+            </a:r>
+            <a:r>
+              <a:rPr lang="fi-FI" sz="2000" dirty="0" err="1" smtClean="0">
+                <a:effectLst>
+                  <a:outerShdw blurRad="38100" dist="38100" dir="2700000" algn="tl">
+                    <a:srgbClr val="000000">
+                      <a:alpha val="43137"/>
+                    </a:srgbClr>
+                  </a:outerShdw>
+                </a:effectLst>
+                <a:latin typeface="Tandysoft" panose="02000500000000000000" pitchFamily="2" charset="0"/>
+              </a:rPr>
+              <a:t>with</a:t>
+            </a:r>
+            <a:r>
+              <a:rPr lang="fi-FI" sz="2000" dirty="0" smtClean="0">
+                <a:effectLst>
+                  <a:outerShdw blurRad="38100" dist="38100" dir="2700000" algn="tl">
+                    <a:srgbClr val="000000">
+                      <a:alpha val="43137"/>
+                    </a:srgbClr>
+                  </a:outerShdw>
+                </a:effectLst>
+                <a:latin typeface="Tandysoft" panose="02000500000000000000" pitchFamily="2" charset="0"/>
+              </a:rPr>
+              <a:t> </a:t>
+            </a:r>
+            <a:r>
+              <a:rPr lang="fi-FI" sz="2000" dirty="0" err="1" smtClean="0">
+                <a:effectLst>
+                  <a:outerShdw blurRad="38100" dist="38100" dir="2700000" algn="tl">
+                    <a:srgbClr val="000000">
+                      <a:alpha val="43137"/>
+                    </a:srgbClr>
+                  </a:outerShdw>
+                </a:effectLst>
+                <a:latin typeface="Tandysoft" panose="02000500000000000000" pitchFamily="2" charset="0"/>
+              </a:rPr>
+              <a:t>blueprints</a:t>
+            </a:r>
             <a:endParaRPr lang="fi-FI" sz="2000" dirty="0" smtClean="0">
               <a:effectLst>
                 <a:outerShdw blurRad="38100" dist="38100" dir="2700000" algn="tl">
@@ -16462,7 +16556,7 @@
         </p:spPr>
         <p:txBody>
           <a:bodyPr vert="horz" lIns="91440" tIns="45720" rIns="91440" bIns="45720" rtlCol="0" anchor="b">
-            <a:normAutofit/>
+            <a:normAutofit fontScale="92500"/>
             <a:scene3d>
               <a:camera prst="orthographicFront"/>
               <a:lightRig rig="threePt" dir="t"/>
@@ -17436,7 +17530,7 @@
         <p:spPr>
           <a:xfrm>
             <a:off x="7825738" y="1570385"/>
-            <a:ext cx="4021838" cy="4217767"/>
+            <a:ext cx="4021838" cy="4514531"/>
           </a:xfrm>
           <a:solidFill>
             <a:schemeClr val="accent5">
@@ -17622,6 +17716,19 @@
               <a:buChar char="-"/>
             </a:pPr>
             <a:r>
+              <a:rPr lang="fi-FI" sz="2000" dirty="0" err="1" smtClean="0">
+                <a:effectLst>
+                  <a:outerShdw blurRad="38100" dist="38100" dir="2700000" algn="tl">
+                    <a:srgbClr val="000000">
+                      <a:alpha val="43137"/>
+                    </a:srgbClr>
+                  </a:outerShdw>
+                </a:effectLst>
+                <a:latin typeface="Tandysoft" panose="02000500000000000000" pitchFamily="2" charset="0"/>
+              </a:rPr>
+              <a:t>Unreal</a:t>
+            </a:r>
+            <a:r>
               <a:rPr lang="fi-FI" sz="2000" dirty="0" smtClean="0">
                 <a:effectLst>
                   <a:outerShdw blurRad="38100" dist="38100" dir="2700000" algn="tl">
@@ -17632,8 +17739,18 @@
                 </a:effectLst>
                 <a:latin typeface="Tandysoft" panose="02000500000000000000" pitchFamily="2" charset="0"/>
               </a:rPr>
-              <a:t>Ue4</a:t>
-            </a:r>
+              <a:t> Engine 4</a:t>
+            </a:r>
+            <a:endParaRPr lang="fi-FI" sz="2000" dirty="0" smtClean="0">
+              <a:effectLst>
+                <a:outerShdw blurRad="38100" dist="38100" dir="2700000" algn="tl">
+                  <a:srgbClr val="000000">
+                    <a:alpha val="43137"/>
+                  </a:srgbClr>
+                </a:outerShdw>
+              </a:effectLst>
+              <a:latin typeface="Tandysoft" panose="02000500000000000000" pitchFamily="2" charset="0"/>
+            </a:endParaRPr>
           </a:p>
           <a:p>
             <a:pPr lvl="1">
@@ -17641,7 +17758,7 @@
               <a:buChar char="-"/>
             </a:pPr>
             <a:r>
-              <a:rPr lang="fi-FI" sz="2000" dirty="0" err="1" smtClean="0">
+              <a:rPr lang="fi-FI" sz="2000" dirty="0" smtClean="0">
                 <a:effectLst>
                   <a:outerShdw blurRad="38100" dist="38100" dir="2700000" algn="tl">
                     <a:srgbClr val="000000">
@@ -17651,7 +17768,7 @@
                 </a:effectLst>
                 <a:latin typeface="Tandysoft" panose="02000500000000000000" pitchFamily="2" charset="0"/>
               </a:rPr>
-              <a:t>Photari</a:t>
+              <a:t>Photoshop</a:t>
             </a:r>
             <a:endParaRPr lang="fi-FI" sz="2000" dirty="0" smtClean="0">
               <a:effectLst>
@@ -17850,6 +17967,74 @@
                 <a:latin typeface="Tandysoft" panose="02000500000000000000" pitchFamily="2" charset="0"/>
               </a:rPr>
               <a:t>communication</a:t>
+            </a:r>
+            <a:endParaRPr lang="fi-FI" sz="2000" dirty="0" smtClean="0">
+              <a:effectLst>
+                <a:outerShdw blurRad="38100" dist="38100" dir="2700000" algn="tl">
+                  <a:srgbClr val="000000">
+                    <a:alpha val="43137"/>
+                  </a:srgbClr>
+                </a:outerShdw>
+              </a:effectLst>
+              <a:latin typeface="Tandysoft" panose="02000500000000000000" pitchFamily="2" charset="0"/>
+            </a:endParaRPr>
+          </a:p>
+          <a:p>
+            <a:pPr lvl="1">
+              <a:buFontTx/>
+              <a:buChar char="-"/>
+            </a:pPr>
+            <a:r>
+              <a:rPr lang="fi-FI" sz="2000" dirty="0" smtClean="0">
+                <a:effectLst>
+                  <a:outerShdw blurRad="38100" dist="38100" dir="2700000" algn="tl">
+                    <a:srgbClr val="000000">
+                      <a:alpha val="43137"/>
+                    </a:srgbClr>
+                  </a:outerShdw>
+                </a:effectLst>
+                <a:latin typeface="Tandysoft" panose="02000500000000000000" pitchFamily="2" charset="0"/>
+              </a:rPr>
+              <a:t>Version </a:t>
+            </a:r>
+            <a:r>
+              <a:rPr lang="fi-FI" sz="2000" dirty="0" err="1" smtClean="0">
+                <a:effectLst>
+                  <a:outerShdw blurRad="38100" dist="38100" dir="2700000" algn="tl">
+                    <a:srgbClr val="000000">
+                      <a:alpha val="43137"/>
+                    </a:srgbClr>
+                  </a:outerShdw>
+                </a:effectLst>
+                <a:latin typeface="Tandysoft" panose="02000500000000000000" pitchFamily="2" charset="0"/>
+              </a:rPr>
+              <a:t>control</a:t>
+            </a:r>
+            <a:r>
+              <a:rPr lang="fi-FI" sz="2000" dirty="0" smtClean="0">
+                <a:effectLst>
+                  <a:outerShdw blurRad="38100" dist="38100" dir="2700000" algn="tl">
+                    <a:srgbClr val="000000">
+                      <a:alpha val="43137"/>
+                    </a:srgbClr>
+                  </a:outerShdw>
+                </a:effectLst>
+                <a:latin typeface="Tandysoft" panose="02000500000000000000" pitchFamily="2" charset="0"/>
+              </a:rPr>
+              <a:t> </a:t>
+            </a:r>
+            <a:r>
+              <a:rPr lang="fi-FI" sz="2000" dirty="0" err="1" smtClean="0">
+                <a:effectLst>
+                  <a:outerShdw blurRad="38100" dist="38100" dir="2700000" algn="tl">
+                    <a:srgbClr val="000000">
+                      <a:alpha val="43137"/>
+                    </a:srgbClr>
+                  </a:outerShdw>
+                </a:effectLst>
+                <a:latin typeface="Tandysoft" panose="02000500000000000000" pitchFamily="2" charset="0"/>
+              </a:rPr>
+              <a:t>madness</a:t>
             </a:r>
             <a:endParaRPr lang="fi-FI" sz="2000" dirty="0" smtClean="0">
               <a:effectLst>
@@ -17968,7 +18153,7 @@
         </p:blipFill>
         <p:spPr>
           <a:xfrm>
-            <a:off x="7388" y="0"/>
+            <a:off x="7388" y="1"/>
             <a:ext cx="12177224" cy="6858000"/>
           </a:xfrm>
           <a:prstGeom prst="rect">
